--- a/pic.pptx
+++ b/pic.pptx
@@ -10,6 +10,11 @@
     <p:sldId id="257" r:id="rId4"/>
     <p:sldId id="258" r:id="rId5"/>
     <p:sldId id="259" r:id="rId6"/>
+    <p:sldId id="260" r:id="rId7"/>
+    <p:sldId id="261" r:id="rId8"/>
+    <p:sldId id="262" r:id="rId9"/>
+    <p:sldId id="263" r:id="rId10"/>
+    <p:sldId id="264" r:id="rId11"/>
   </p:sldIdLst>
   <p:sldSz cx="12192000" cy="6858000"/>
   <p:notesSz cx="6858000" cy="9144000"/>
@@ -304,7 +309,7 @@
           <a:p>
             <a:fld id="{03E411A4-4F1B-164D-A797-A2505D058642}" type="datetimeFigureOut">
               <a:rPr kumimoji="1" lang="ja-JP" altLang="en-US" smtClean="0"/>
-              <a:t>2016/12/9</a:t>
+              <a:t>2016/12/11</a:t>
             </a:fld>
             <a:endParaRPr kumimoji="1" lang="ja-JP" altLang="en-US"/>
           </a:p>
@@ -548,7 +553,7 @@
           <a:p>
             <a:fld id="{03E411A4-4F1B-164D-A797-A2505D058642}" type="datetimeFigureOut">
               <a:rPr kumimoji="1" lang="ja-JP" altLang="en-US" smtClean="0"/>
-              <a:t>2016/12/9</a:t>
+              <a:t>2016/12/11</a:t>
             </a:fld>
             <a:endParaRPr kumimoji="1" lang="ja-JP" altLang="en-US"/>
           </a:p>
@@ -760,7 +765,7 @@
           <a:p>
             <a:fld id="{03E411A4-4F1B-164D-A797-A2505D058642}" type="datetimeFigureOut">
               <a:rPr kumimoji="1" lang="ja-JP" altLang="en-US" smtClean="0"/>
-              <a:t>2016/12/9</a:t>
+              <a:t>2016/12/11</a:t>
             </a:fld>
             <a:endParaRPr kumimoji="1" lang="ja-JP" altLang="en-US"/>
           </a:p>
@@ -959,7 +964,7 @@
           <a:p>
             <a:fld id="{F42E2B50-1B87-4B43-9860-8301BAAD1CA5}" type="datetime1">
               <a:rPr kumimoji="1" lang="ja-JP" altLang="en-US" smtClean="0"/>
-              <a:t>2016/12/9</a:t>
+              <a:t>2016/12/11</a:t>
             </a:fld>
             <a:endParaRPr kumimoji="1" lang="ja-JP" altLang="en-US"/>
           </a:p>
@@ -1161,7 +1166,7 @@
           <a:p>
             <a:fld id="{65B764E3-F216-9846-B0CE-33B0C4F7067F}" type="datetime1">
               <a:rPr kumimoji="1" lang="ja-JP" altLang="en-US" smtClean="0"/>
-              <a:t>2016/12/9</a:t>
+              <a:t>2016/12/11</a:t>
             </a:fld>
             <a:endParaRPr kumimoji="1" lang="ja-JP" altLang="en-US"/>
           </a:p>
@@ -1407,7 +1412,7 @@
           <a:p>
             <a:fld id="{C7354EC1-ECB0-2B43-B5CD-0DA491BB958C}" type="datetime1">
               <a:rPr kumimoji="1" lang="ja-JP" altLang="en-US" smtClean="0"/>
-              <a:t>2016/12/9</a:t>
+              <a:t>2016/12/11</a:t>
             </a:fld>
             <a:endParaRPr kumimoji="1" lang="ja-JP" altLang="en-US"/>
           </a:p>
@@ -1703,7 +1708,7 @@
           <a:p>
             <a:fld id="{6396629A-2B6E-0D42-ADAF-429C1E15AF36}" type="datetime1">
               <a:rPr kumimoji="1" lang="ja-JP" altLang="en-US" smtClean="0"/>
-              <a:t>2016/12/9</a:t>
+              <a:t>2016/12/11</a:t>
             </a:fld>
             <a:endParaRPr kumimoji="1" lang="ja-JP" altLang="en-US"/>
           </a:p>
@@ -2134,7 +2139,7 @@
           <a:p>
             <a:fld id="{AFE430C3-98DF-254E-B388-C4740E8F3BB3}" type="datetime1">
               <a:rPr kumimoji="1" lang="ja-JP" altLang="en-US" smtClean="0"/>
-              <a:t>2016/12/9</a:t>
+              <a:t>2016/12/11</a:t>
             </a:fld>
             <a:endParaRPr kumimoji="1" lang="ja-JP" altLang="en-US"/>
           </a:p>
@@ -2252,7 +2257,7 @@
           <a:p>
             <a:fld id="{48713BBA-746A-2141-A9BA-3C55CBF56494}" type="datetime1">
               <a:rPr kumimoji="1" lang="ja-JP" altLang="en-US" smtClean="0"/>
-              <a:t>2016/12/9</a:t>
+              <a:t>2016/12/11</a:t>
             </a:fld>
             <a:endParaRPr kumimoji="1" lang="ja-JP" altLang="en-US"/>
           </a:p>
@@ -2354,7 +2359,7 @@
           <a:p>
             <a:fld id="{3CE284B3-52E2-D147-8132-D3818F4CAF8A}" type="datetime1">
               <a:rPr kumimoji="1" lang="ja-JP" altLang="en-US" smtClean="0"/>
-              <a:t>2016/12/9</a:t>
+              <a:t>2016/12/11</a:t>
             </a:fld>
             <a:endParaRPr kumimoji="1" lang="ja-JP" altLang="en-US"/>
           </a:p>
@@ -2670,7 +2675,7 @@
           <a:p>
             <a:fld id="{415C27EF-A609-8B4E-850F-21C7B6B497F8}" type="datetime1">
               <a:rPr kumimoji="1" lang="ja-JP" altLang="en-US" smtClean="0"/>
-              <a:t>2016/12/9</a:t>
+              <a:t>2016/12/11</a:t>
             </a:fld>
             <a:endParaRPr kumimoji="1" lang="ja-JP" altLang="en-US"/>
           </a:p>
@@ -2879,7 +2884,7 @@
           <a:p>
             <a:fld id="{03E411A4-4F1B-164D-A797-A2505D058642}" type="datetimeFigureOut">
               <a:rPr kumimoji="1" lang="ja-JP" altLang="en-US" smtClean="0"/>
-              <a:t>2016/12/9</a:t>
+              <a:t>2016/12/11</a:t>
             </a:fld>
             <a:endParaRPr kumimoji="1" lang="ja-JP" altLang="en-US"/>
           </a:p>
@@ -3143,7 +3148,7 @@
           <a:p>
             <a:fld id="{1C2056A8-20D4-A54C-9600-8465CE5B8F02}" type="datetime1">
               <a:rPr kumimoji="1" lang="ja-JP" altLang="en-US" smtClean="0"/>
-              <a:t>2016/12/9</a:t>
+              <a:t>2016/12/11</a:t>
             </a:fld>
             <a:endParaRPr kumimoji="1" lang="ja-JP" altLang="en-US"/>
           </a:p>
@@ -3352,7 +3357,7 @@
           <a:p>
             <a:fld id="{57C9F3FD-6A23-B446-B9FE-10B628F47A72}" type="datetime1">
               <a:rPr kumimoji="1" lang="ja-JP" altLang="en-US" smtClean="0"/>
-              <a:t>2016/12/9</a:t>
+              <a:t>2016/12/11</a:t>
             </a:fld>
             <a:endParaRPr kumimoji="1" lang="ja-JP" altLang="en-US"/>
           </a:p>
@@ -3571,7 +3576,7 @@
           <a:p>
             <a:fld id="{B1834E2C-417D-4242-83C2-1847CF2D0D30}" type="datetime1">
               <a:rPr kumimoji="1" lang="ja-JP" altLang="en-US" smtClean="0"/>
-              <a:t>2016/12/9</a:t>
+              <a:t>2016/12/11</a:t>
             </a:fld>
             <a:endParaRPr kumimoji="1" lang="ja-JP" altLang="en-US"/>
           </a:p>
@@ -3826,7 +3831,7 @@
           <a:p>
             <a:fld id="{03E411A4-4F1B-164D-A797-A2505D058642}" type="datetimeFigureOut">
               <a:rPr kumimoji="1" lang="ja-JP" altLang="en-US" smtClean="0"/>
-              <a:t>2016/12/9</a:t>
+              <a:t>2016/12/11</a:t>
             </a:fld>
             <a:endParaRPr kumimoji="1" lang="ja-JP" altLang="en-US"/>
           </a:p>
@@ -4220,7 +4225,7 @@
           <a:p>
             <a:fld id="{03E411A4-4F1B-164D-A797-A2505D058642}" type="datetimeFigureOut">
               <a:rPr kumimoji="1" lang="ja-JP" altLang="en-US" smtClean="0"/>
-              <a:t>2016/12/9</a:t>
+              <a:t>2016/12/11</a:t>
             </a:fld>
             <a:endParaRPr kumimoji="1" lang="ja-JP" altLang="en-US"/>
           </a:p>
@@ -4762,7 +4767,7 @@
           <a:p>
             <a:fld id="{03E411A4-4F1B-164D-A797-A2505D058642}" type="datetimeFigureOut">
               <a:rPr kumimoji="1" lang="ja-JP" altLang="en-US" smtClean="0"/>
-              <a:t>2016/12/9</a:t>
+              <a:t>2016/12/11</a:t>
             </a:fld>
             <a:endParaRPr kumimoji="1" lang="ja-JP" altLang="en-US"/>
           </a:p>
@@ -4922,7 +4927,7 @@
           <a:p>
             <a:fld id="{03E411A4-4F1B-164D-A797-A2505D058642}" type="datetimeFigureOut">
               <a:rPr kumimoji="1" lang="ja-JP" altLang="en-US" smtClean="0"/>
-              <a:t>2016/12/9</a:t>
+              <a:t>2016/12/11</a:t>
             </a:fld>
             <a:endParaRPr kumimoji="1" lang="ja-JP" altLang="en-US"/>
           </a:p>
@@ -5024,7 +5029,7 @@
           <a:p>
             <a:fld id="{03E411A4-4F1B-164D-A797-A2505D058642}" type="datetimeFigureOut">
               <a:rPr kumimoji="1" lang="ja-JP" altLang="en-US" smtClean="0"/>
-              <a:t>2016/12/9</a:t>
+              <a:t>2016/12/11</a:t>
             </a:fld>
             <a:endParaRPr kumimoji="1" lang="ja-JP" altLang="en-US"/>
           </a:p>
@@ -5342,7 +5347,7 @@
           <a:p>
             <a:fld id="{03E411A4-4F1B-164D-A797-A2505D058642}" type="datetimeFigureOut">
               <a:rPr kumimoji="1" lang="ja-JP" altLang="en-US" smtClean="0"/>
-              <a:t>2016/12/9</a:t>
+              <a:t>2016/12/11</a:t>
             </a:fld>
             <a:endParaRPr kumimoji="1" lang="ja-JP" altLang="en-US"/>
           </a:p>
@@ -5652,7 +5657,7 @@
           <a:p>
             <a:fld id="{03E411A4-4F1B-164D-A797-A2505D058642}" type="datetimeFigureOut">
               <a:rPr kumimoji="1" lang="ja-JP" altLang="en-US" smtClean="0"/>
-              <a:t>2016/12/9</a:t>
+              <a:t>2016/12/11</a:t>
             </a:fld>
             <a:endParaRPr kumimoji="1" lang="ja-JP" altLang="en-US"/>
           </a:p>
@@ -5895,7 +5900,7 @@
           <a:p>
             <a:fld id="{03E411A4-4F1B-164D-A797-A2505D058642}" type="datetimeFigureOut">
               <a:rPr kumimoji="1" lang="ja-JP" altLang="en-US" smtClean="0"/>
-              <a:t>2016/12/9</a:t>
+              <a:t>2016/12/11</a:t>
             </a:fld>
             <a:endParaRPr kumimoji="1" lang="ja-JP" altLang="en-US"/>
           </a:p>
@@ -6628,7 +6633,7 @@
           <a:p>
             <a:fld id="{DDCBE14C-F24B-0441-978E-C4AB6A6C3F57}" type="datetime1">
               <a:rPr kumimoji="1" lang="ja-JP" altLang="en-US" smtClean="0"/>
-              <a:t>2016/12/9</a:t>
+              <a:t>2016/12/11</a:t>
             </a:fld>
             <a:endParaRPr kumimoji="1" lang="ja-JP" altLang="en-US"/>
           </a:p>
@@ -14154,12 +14159,6 @@
                 </a:rPr>
                 <a:t>driver</a:t>
               </a:r>
-              <a:endParaRPr kumimoji="1" lang="en-US" altLang="ja-JP" sz="1600" dirty="0" smtClean="0">
-                <a:solidFill>
-                  <a:schemeClr val="bg1"/>
-                </a:solidFill>
-                <a:latin typeface="+mn-ea"/>
-              </a:endParaRPr>
             </a:p>
           </p:txBody>
         </p:sp>
@@ -14364,6 +14363,577 @@
     <p:extLst>
       <p:ext uri="{BB962C8B-B14F-4D97-AF65-F5344CB8AC3E}">
         <p14:creationId xmlns:p14="http://schemas.microsoft.com/office/powerpoint/2010/main" val="1822799989"/>
+      </p:ext>
+    </p:extLst>
+  </p:cSld>
+  <p:clrMapOvr>
+    <a:masterClrMapping/>
+  </p:clrMapOvr>
+</p:sld>
+</file>
+
+<file path=ppt/slides/slide5.xml><?xml version="1.0" encoding="utf-8"?>
+<p:sld xmlns:a="http://schemas.openxmlformats.org/drawingml/2006/main" xmlns:r="http://schemas.openxmlformats.org/officeDocument/2006/relationships" xmlns:p="http://schemas.openxmlformats.org/presentationml/2006/main">
+  <p:cSld>
+    <p:spTree>
+      <p:nvGrpSpPr>
+        <p:cNvPr id="1" name=""/>
+        <p:cNvGrpSpPr/>
+        <p:nvPr/>
+      </p:nvGrpSpPr>
+      <p:grpSpPr>
+        <a:xfrm>
+          <a:off x="0" y="0"/>
+          <a:ext cx="0" cy="0"/>
+          <a:chOff x="0" y="0"/>
+          <a:chExt cx="0" cy="0"/>
+        </a:xfrm>
+      </p:grpSpPr>
+      <p:pic>
+        <p:nvPicPr>
+          <p:cNvPr id="2" name="図 1"/>
+          <p:cNvPicPr>
+            <a:picLocks noChangeAspect="1"/>
+          </p:cNvPicPr>
+          <p:nvPr/>
+        </p:nvPicPr>
+        <p:blipFill rotWithShape="1">
+          <a:blip r:embed="rId2">
+            <a:extLst>
+              <a:ext uri="{28A0092B-C50C-407E-A947-70E740481C1C}">
+                <a14:useLocalDpi xmlns:a14="http://schemas.microsoft.com/office/drawing/2010/main" val="0"/>
+              </a:ext>
+            </a:extLst>
+          </a:blip>
+          <a:srcRect l="10365" t="6169" r="22098" b="7861"/>
+          <a:stretch/>
+        </p:blipFill>
+        <p:spPr>
+          <a:xfrm>
+            <a:off x="1746912" y="423081"/>
+            <a:ext cx="7410735" cy="5895832"/>
+          </a:xfrm>
+          <a:prstGeom prst="rect">
+            <a:avLst/>
+          </a:prstGeom>
+        </p:spPr>
+      </p:pic>
+      <p:sp>
+        <p:nvSpPr>
+          <p:cNvPr id="3" name="正方形/長方形 2"/>
+          <p:cNvSpPr/>
+          <p:nvPr/>
+        </p:nvSpPr>
+        <p:spPr>
+          <a:xfrm>
+            <a:off x="1950720" y="1432560"/>
+            <a:ext cx="632460" cy="167640"/>
+          </a:xfrm>
+          <a:prstGeom prst="rect">
+            <a:avLst/>
+          </a:prstGeom>
+          <a:noFill/>
+          <a:ln w="38100">
+            <a:solidFill>
+              <a:srgbClr val="FF2F92"/>
+            </a:solidFill>
+          </a:ln>
+        </p:spPr>
+        <p:style>
+          <a:lnRef idx="2">
+            <a:schemeClr val="accent1">
+              <a:shade val="50000"/>
+            </a:schemeClr>
+          </a:lnRef>
+          <a:fillRef idx="1">
+            <a:schemeClr val="accent1"/>
+          </a:fillRef>
+          <a:effectRef idx="0">
+            <a:schemeClr val="accent1"/>
+          </a:effectRef>
+          <a:fontRef idx="minor">
+            <a:schemeClr val="lt1"/>
+          </a:fontRef>
+        </p:style>
+        <p:txBody>
+          <a:bodyPr rtlCol="0" anchor="ctr"/>
+          <a:lstStyle/>
+          <a:p>
+            <a:pPr algn="ctr"/>
+            <a:endParaRPr kumimoji="1" lang="ja-JP" altLang="en-US"/>
+          </a:p>
+        </p:txBody>
+      </p:sp>
+      <p:sp>
+        <p:nvSpPr>
+          <p:cNvPr id="4" name="正方形/長方形 3"/>
+          <p:cNvSpPr/>
+          <p:nvPr/>
+        </p:nvSpPr>
+        <p:spPr>
+          <a:xfrm>
+            <a:off x="6370320" y="4831080"/>
+            <a:ext cx="541020" cy="175260"/>
+          </a:xfrm>
+          <a:prstGeom prst="rect">
+            <a:avLst/>
+          </a:prstGeom>
+          <a:noFill/>
+          <a:ln w="38100">
+            <a:solidFill>
+              <a:srgbClr val="FF2F92"/>
+            </a:solidFill>
+          </a:ln>
+        </p:spPr>
+        <p:style>
+          <a:lnRef idx="2">
+            <a:schemeClr val="accent1">
+              <a:shade val="50000"/>
+            </a:schemeClr>
+          </a:lnRef>
+          <a:fillRef idx="1">
+            <a:schemeClr val="accent1"/>
+          </a:fillRef>
+          <a:effectRef idx="0">
+            <a:schemeClr val="accent1"/>
+          </a:effectRef>
+          <a:fontRef idx="minor">
+            <a:schemeClr val="lt1"/>
+          </a:fontRef>
+        </p:style>
+        <p:txBody>
+          <a:bodyPr rtlCol="0" anchor="ctr"/>
+          <a:lstStyle/>
+          <a:p>
+            <a:pPr algn="ctr"/>
+            <a:endParaRPr kumimoji="1" lang="ja-JP" altLang="en-US"/>
+          </a:p>
+        </p:txBody>
+      </p:sp>
+    </p:spTree>
+    <p:extLst>
+      <p:ext uri="{BB962C8B-B14F-4D97-AF65-F5344CB8AC3E}">
+        <p14:creationId xmlns:p14="http://schemas.microsoft.com/office/powerpoint/2010/main" val="181373946"/>
+      </p:ext>
+    </p:extLst>
+  </p:cSld>
+  <p:clrMapOvr>
+    <a:masterClrMapping/>
+  </p:clrMapOvr>
+</p:sld>
+</file>
+
+<file path=ppt/slides/slide6.xml><?xml version="1.0" encoding="utf-8"?>
+<p:sld xmlns:a="http://schemas.openxmlformats.org/drawingml/2006/main" xmlns:r="http://schemas.openxmlformats.org/officeDocument/2006/relationships" xmlns:p="http://schemas.openxmlformats.org/presentationml/2006/main">
+  <p:cSld>
+    <p:spTree>
+      <p:nvGrpSpPr>
+        <p:cNvPr id="1" name=""/>
+        <p:cNvGrpSpPr/>
+        <p:nvPr/>
+      </p:nvGrpSpPr>
+      <p:grpSpPr>
+        <a:xfrm>
+          <a:off x="0" y="0"/>
+          <a:ext cx="0" cy="0"/>
+          <a:chOff x="0" y="0"/>
+          <a:chExt cx="0" cy="0"/>
+        </a:xfrm>
+      </p:grpSpPr>
+      <p:pic>
+        <p:nvPicPr>
+          <p:cNvPr id="2" name="図 1"/>
+          <p:cNvPicPr>
+            <a:picLocks noChangeAspect="1"/>
+          </p:cNvPicPr>
+          <p:nvPr/>
+        </p:nvPicPr>
+        <p:blipFill rotWithShape="1">
+          <a:blip r:embed="rId2">
+            <a:extLst>
+              <a:ext uri="{28A0092B-C50C-407E-A947-70E740481C1C}">
+                <a14:useLocalDpi xmlns:a14="http://schemas.microsoft.com/office/drawing/2010/main" val="0"/>
+              </a:ext>
+            </a:extLst>
+          </a:blip>
+          <a:srcRect r="52818" b="46331"/>
+          <a:stretch/>
+        </p:blipFill>
+        <p:spPr>
+          <a:xfrm>
+            <a:off x="510650" y="120904"/>
+            <a:ext cx="4930030" cy="3536696"/>
+          </a:xfrm>
+          <a:prstGeom prst="rect">
+            <a:avLst/>
+          </a:prstGeom>
+        </p:spPr>
+      </p:pic>
+      <p:sp>
+        <p:nvSpPr>
+          <p:cNvPr id="3" name="正方形/長方形 2"/>
+          <p:cNvSpPr/>
+          <p:nvPr/>
+        </p:nvSpPr>
+        <p:spPr>
+          <a:xfrm>
+            <a:off x="1153498" y="394207"/>
+            <a:ext cx="480568" cy="173059"/>
+          </a:xfrm>
+          <a:prstGeom prst="rect">
+            <a:avLst/>
+          </a:prstGeom>
+          <a:noFill/>
+          <a:ln w="38100">
+            <a:solidFill>
+              <a:srgbClr val="FF2F92"/>
+            </a:solidFill>
+          </a:ln>
+        </p:spPr>
+        <p:style>
+          <a:lnRef idx="2">
+            <a:schemeClr val="accent1">
+              <a:shade val="50000"/>
+            </a:schemeClr>
+          </a:lnRef>
+          <a:fillRef idx="1">
+            <a:schemeClr val="accent1"/>
+          </a:fillRef>
+          <a:effectRef idx="0">
+            <a:schemeClr val="accent1"/>
+          </a:effectRef>
+          <a:fontRef idx="minor">
+            <a:schemeClr val="lt1"/>
+          </a:fontRef>
+        </p:style>
+        <p:txBody>
+          <a:bodyPr rtlCol="0" anchor="ctr"/>
+          <a:lstStyle/>
+          <a:p>
+            <a:pPr algn="ctr"/>
+            <a:endParaRPr kumimoji="1" lang="ja-JP" altLang="en-US"/>
+          </a:p>
+        </p:txBody>
+      </p:sp>
+    </p:spTree>
+    <p:extLst>
+      <p:ext uri="{BB962C8B-B14F-4D97-AF65-F5344CB8AC3E}">
+        <p14:creationId xmlns:p14="http://schemas.microsoft.com/office/powerpoint/2010/main" val="1400385349"/>
+      </p:ext>
+    </p:extLst>
+  </p:cSld>
+  <p:clrMapOvr>
+    <a:masterClrMapping/>
+  </p:clrMapOvr>
+</p:sld>
+</file>
+
+<file path=ppt/slides/slide7.xml><?xml version="1.0" encoding="utf-8"?>
+<p:sld xmlns:a="http://schemas.openxmlformats.org/drawingml/2006/main" xmlns:r="http://schemas.openxmlformats.org/officeDocument/2006/relationships" xmlns:p="http://schemas.openxmlformats.org/presentationml/2006/main">
+  <p:cSld>
+    <p:spTree>
+      <p:nvGrpSpPr>
+        <p:cNvPr id="1" name=""/>
+        <p:cNvGrpSpPr/>
+        <p:nvPr/>
+      </p:nvGrpSpPr>
+      <p:grpSpPr>
+        <a:xfrm>
+          <a:off x="0" y="0"/>
+          <a:ext cx="0" cy="0"/>
+          <a:chOff x="0" y="0"/>
+          <a:chExt cx="0" cy="0"/>
+        </a:xfrm>
+      </p:grpSpPr>
+      <p:pic>
+        <p:nvPicPr>
+          <p:cNvPr id="2" name="図 1"/>
+          <p:cNvPicPr>
+            <a:picLocks noChangeAspect="1"/>
+          </p:cNvPicPr>
+          <p:nvPr/>
+        </p:nvPicPr>
+        <p:blipFill rotWithShape="1">
+          <a:blip r:embed="rId2">
+            <a:extLst>
+              <a:ext uri="{28A0092B-C50C-407E-A947-70E740481C1C}">
+                <a14:useLocalDpi xmlns:a14="http://schemas.microsoft.com/office/drawing/2010/main" val="0"/>
+              </a:ext>
+            </a:extLst>
+          </a:blip>
+          <a:srcRect l="18228" t="10322" r="51803" b="55484"/>
+          <a:stretch/>
+        </p:blipFill>
+        <p:spPr>
+          <a:xfrm>
+            <a:off x="2595715" y="1533833"/>
+            <a:ext cx="4100051" cy="3725188"/>
+          </a:xfrm>
+          <a:prstGeom prst="rect">
+            <a:avLst/>
+          </a:prstGeom>
+        </p:spPr>
+      </p:pic>
+      <p:sp>
+        <p:nvSpPr>
+          <p:cNvPr id="3" name="正方形/長方形 2"/>
+          <p:cNvSpPr/>
+          <p:nvPr/>
+        </p:nvSpPr>
+        <p:spPr>
+          <a:xfrm>
+            <a:off x="2595714" y="2001781"/>
+            <a:ext cx="4100051" cy="962645"/>
+          </a:xfrm>
+          <a:prstGeom prst="rect">
+            <a:avLst/>
+          </a:prstGeom>
+          <a:noFill/>
+          <a:ln w="38100">
+            <a:solidFill>
+              <a:srgbClr val="FF2F92"/>
+            </a:solidFill>
+          </a:ln>
+        </p:spPr>
+        <p:style>
+          <a:lnRef idx="2">
+            <a:schemeClr val="accent1">
+              <a:shade val="50000"/>
+            </a:schemeClr>
+          </a:lnRef>
+          <a:fillRef idx="1">
+            <a:schemeClr val="accent1"/>
+          </a:fillRef>
+          <a:effectRef idx="0">
+            <a:schemeClr val="accent1"/>
+          </a:effectRef>
+          <a:fontRef idx="minor">
+            <a:schemeClr val="lt1"/>
+          </a:fontRef>
+        </p:style>
+        <p:txBody>
+          <a:bodyPr rtlCol="0" anchor="ctr"/>
+          <a:lstStyle/>
+          <a:p>
+            <a:pPr algn="ctr"/>
+            <a:endParaRPr kumimoji="1" lang="ja-JP" altLang="en-US"/>
+          </a:p>
+        </p:txBody>
+      </p:sp>
+    </p:spTree>
+    <p:extLst>
+      <p:ext uri="{BB962C8B-B14F-4D97-AF65-F5344CB8AC3E}">
+        <p14:creationId xmlns:p14="http://schemas.microsoft.com/office/powerpoint/2010/main" val="24554506"/>
+      </p:ext>
+    </p:extLst>
+  </p:cSld>
+  <p:clrMapOvr>
+    <a:masterClrMapping/>
+  </p:clrMapOvr>
+</p:sld>
+</file>
+
+<file path=ppt/slides/slide8.xml><?xml version="1.0" encoding="utf-8"?>
+<p:sld xmlns:a="http://schemas.openxmlformats.org/drawingml/2006/main" xmlns:r="http://schemas.openxmlformats.org/officeDocument/2006/relationships" xmlns:p="http://schemas.openxmlformats.org/presentationml/2006/main">
+  <p:cSld>
+    <p:spTree>
+      <p:nvGrpSpPr>
+        <p:cNvPr id="1" name=""/>
+        <p:cNvGrpSpPr/>
+        <p:nvPr/>
+      </p:nvGrpSpPr>
+      <p:grpSpPr>
+        <a:xfrm>
+          <a:off x="0" y="0"/>
+          <a:ext cx="0" cy="0"/>
+          <a:chOff x="0" y="0"/>
+          <a:chExt cx="0" cy="0"/>
+        </a:xfrm>
+      </p:grpSpPr>
+      <p:pic>
+        <p:nvPicPr>
+          <p:cNvPr id="2" name="図 1"/>
+          <p:cNvPicPr>
+            <a:picLocks noChangeAspect="1"/>
+          </p:cNvPicPr>
+          <p:nvPr/>
+        </p:nvPicPr>
+        <p:blipFill rotWithShape="1">
+          <a:blip r:embed="rId2">
+            <a:extLst>
+              <a:ext uri="{28A0092B-C50C-407E-A947-70E740481C1C}">
+                <a14:useLocalDpi xmlns:a14="http://schemas.microsoft.com/office/drawing/2010/main" val="0"/>
+              </a:ext>
+            </a:extLst>
+          </a:blip>
+          <a:srcRect l="17715" t="10108" r="51974" b="62151"/>
+          <a:stretch/>
+        </p:blipFill>
+        <p:spPr>
+          <a:xfrm>
+            <a:off x="3303638" y="693173"/>
+            <a:ext cx="3613355" cy="2633463"/>
+          </a:xfrm>
+          <a:prstGeom prst="rect">
+            <a:avLst/>
+          </a:prstGeom>
+        </p:spPr>
+      </p:pic>
+      <p:sp>
+        <p:nvSpPr>
+          <p:cNvPr id="3" name="正方形/長方形 2"/>
+          <p:cNvSpPr/>
+          <p:nvPr/>
+        </p:nvSpPr>
+        <p:spPr>
+          <a:xfrm>
+            <a:off x="3363401" y="2528516"/>
+            <a:ext cx="1510749" cy="405516"/>
+          </a:xfrm>
+          <a:prstGeom prst="rect">
+            <a:avLst/>
+          </a:prstGeom>
+          <a:noFill/>
+          <a:ln w="38100">
+            <a:solidFill>
+              <a:srgbClr val="FF2F92"/>
+            </a:solidFill>
+          </a:ln>
+        </p:spPr>
+        <p:style>
+          <a:lnRef idx="2">
+            <a:schemeClr val="accent1">
+              <a:shade val="50000"/>
+            </a:schemeClr>
+          </a:lnRef>
+          <a:fillRef idx="1">
+            <a:schemeClr val="accent1"/>
+          </a:fillRef>
+          <a:effectRef idx="0">
+            <a:schemeClr val="accent1"/>
+          </a:effectRef>
+          <a:fontRef idx="minor">
+            <a:schemeClr val="lt1"/>
+          </a:fontRef>
+        </p:style>
+        <p:txBody>
+          <a:bodyPr rtlCol="0" anchor="ctr"/>
+          <a:lstStyle/>
+          <a:p>
+            <a:pPr algn="ctr"/>
+            <a:endParaRPr kumimoji="1" lang="ja-JP" altLang="en-US"/>
+          </a:p>
+        </p:txBody>
+      </p:sp>
+    </p:spTree>
+    <p:extLst>
+      <p:ext uri="{BB962C8B-B14F-4D97-AF65-F5344CB8AC3E}">
+        <p14:creationId xmlns:p14="http://schemas.microsoft.com/office/powerpoint/2010/main" val="622691633"/>
+      </p:ext>
+    </p:extLst>
+  </p:cSld>
+  <p:clrMapOvr>
+    <a:masterClrMapping/>
+  </p:clrMapOvr>
+</p:sld>
+</file>
+
+<file path=ppt/slides/slide9.xml><?xml version="1.0" encoding="utf-8"?>
+<p:sld xmlns:a="http://schemas.openxmlformats.org/drawingml/2006/main" xmlns:r="http://schemas.openxmlformats.org/officeDocument/2006/relationships" xmlns:p="http://schemas.openxmlformats.org/presentationml/2006/main">
+  <p:cSld>
+    <p:spTree>
+      <p:nvGrpSpPr>
+        <p:cNvPr id="1" name=""/>
+        <p:cNvGrpSpPr/>
+        <p:nvPr/>
+      </p:nvGrpSpPr>
+      <p:grpSpPr>
+        <a:xfrm>
+          <a:off x="0" y="0"/>
+          <a:ext cx="0" cy="0"/>
+          <a:chOff x="0" y="0"/>
+          <a:chExt cx="0" cy="0"/>
+        </a:xfrm>
+      </p:grpSpPr>
+      <p:pic>
+        <p:nvPicPr>
+          <p:cNvPr id="2" name="図 1"/>
+          <p:cNvPicPr>
+            <a:picLocks noChangeAspect="1"/>
+          </p:cNvPicPr>
+          <p:nvPr/>
+        </p:nvPicPr>
+        <p:blipFill rotWithShape="1">
+          <a:blip r:embed="rId2">
+            <a:extLst>
+              <a:ext uri="{28A0092B-C50C-407E-A947-70E740481C1C}">
+                <a14:useLocalDpi xmlns:a14="http://schemas.microsoft.com/office/drawing/2010/main" val="0"/>
+              </a:ext>
+            </a:extLst>
+          </a:blip>
+          <a:srcRect b="24000"/>
+          <a:stretch/>
+        </p:blipFill>
+        <p:spPr>
+          <a:xfrm>
+            <a:off x="1835150" y="502920"/>
+            <a:ext cx="8612218" cy="5212080"/>
+          </a:xfrm>
+          <a:prstGeom prst="rect">
+            <a:avLst/>
+          </a:prstGeom>
+        </p:spPr>
+      </p:pic>
+      <p:sp>
+        <p:nvSpPr>
+          <p:cNvPr id="3" name="正方形/長方形 2"/>
+          <p:cNvSpPr/>
+          <p:nvPr/>
+        </p:nvSpPr>
+        <p:spPr>
+          <a:xfrm>
+            <a:off x="1835150" y="5328866"/>
+            <a:ext cx="1510749" cy="191824"/>
+          </a:xfrm>
+          <a:prstGeom prst="rect">
+            <a:avLst/>
+          </a:prstGeom>
+          <a:noFill/>
+          <a:ln w="38100">
+            <a:solidFill>
+              <a:srgbClr val="FF2F92"/>
+            </a:solidFill>
+          </a:ln>
+        </p:spPr>
+        <p:style>
+          <a:lnRef idx="2">
+            <a:schemeClr val="accent1">
+              <a:shade val="50000"/>
+            </a:schemeClr>
+          </a:lnRef>
+          <a:fillRef idx="1">
+            <a:schemeClr val="accent1"/>
+          </a:fillRef>
+          <a:effectRef idx="0">
+            <a:schemeClr val="accent1"/>
+          </a:effectRef>
+          <a:fontRef idx="minor">
+            <a:schemeClr val="lt1"/>
+          </a:fontRef>
+        </p:style>
+        <p:txBody>
+          <a:bodyPr rtlCol="0" anchor="ctr"/>
+          <a:lstStyle/>
+          <a:p>
+            <a:pPr algn="ctr"/>
+            <a:endParaRPr kumimoji="1" lang="ja-JP" altLang="en-US"/>
+          </a:p>
+        </p:txBody>
+      </p:sp>
+    </p:spTree>
+    <p:extLst>
+      <p:ext uri="{BB962C8B-B14F-4D97-AF65-F5344CB8AC3E}">
+        <p14:creationId xmlns:p14="http://schemas.microsoft.com/office/powerpoint/2010/main" val="780665542"/>
       </p:ext>
     </p:extLst>
   </p:cSld>
